--- a/Rreport/Travel Recommendation.pptx
+++ b/Rreport/Travel Recommendation.pptx
@@ -268,7 +268,7 @@
           <a:p>
             <a:fld id="{6E5C0719-993D-42E1-80ED-8F01056F36C2}" type="datetimeFigureOut">
               <a:rPr lang="en-US" smtClean="0"/>
-              <a:t>4/22/2023</a:t>
+              <a:t>4/27/2023</a:t>
             </a:fld>
             <a:endParaRPr lang="en-US" dirty="0"/>
           </a:p>
@@ -445,7 +445,7 @@
           <a:p>
             <a:fld id="{21D3BC9C-6C58-464F-B94E-FD73C5FB016E}" type="datetimeFigureOut">
               <a:rPr lang="en-US" smtClean="0"/>
-              <a:t>4/22/2023</a:t>
+              <a:t>4/27/2023</a:t>
             </a:fld>
             <a:endParaRPr lang="en-US" dirty="0"/>
           </a:p>
@@ -3368,7 +3368,7 @@
           <a:p>
             <a:fld id="{40DA1498-92C7-4E4B-8045-C9195F453964}" type="datetimeFigureOut">
               <a:rPr lang="en-US" smtClean="0"/>
-              <a:t>4/22/2023</a:t>
+              <a:t>4/27/2023</a:t>
             </a:fld>
             <a:endParaRPr lang="en-US" dirty="0"/>
           </a:p>
@@ -3568,7 +3568,7 @@
           <a:p>
             <a:fld id="{40DA1498-92C7-4E4B-8045-C9195F453964}" type="datetimeFigureOut">
               <a:rPr lang="en-US" smtClean="0"/>
-              <a:t>4/22/2023</a:t>
+              <a:t>4/27/2023</a:t>
             </a:fld>
             <a:endParaRPr lang="en-US" dirty="0"/>
           </a:p>
@@ -3778,7 +3778,7 @@
           <a:p>
             <a:fld id="{40DA1498-92C7-4E4B-8045-C9195F453964}" type="datetimeFigureOut">
               <a:rPr lang="en-US" smtClean="0"/>
-              <a:t>4/22/2023</a:t>
+              <a:t>4/27/2023</a:t>
             </a:fld>
             <a:endParaRPr lang="en-US" dirty="0"/>
           </a:p>
@@ -3978,7 +3978,7 @@
           <a:p>
             <a:fld id="{40DA1498-92C7-4E4B-8045-C9195F453964}" type="datetimeFigureOut">
               <a:rPr lang="en-US" smtClean="0"/>
-              <a:t>4/22/2023</a:t>
+              <a:t>4/27/2023</a:t>
             </a:fld>
             <a:endParaRPr lang="en-US" dirty="0"/>
           </a:p>
@@ -4254,7 +4254,7 @@
           <a:p>
             <a:fld id="{40DA1498-92C7-4E4B-8045-C9195F453964}" type="datetimeFigureOut">
               <a:rPr lang="en-US" smtClean="0"/>
-              <a:t>4/22/2023</a:t>
+              <a:t>4/27/2023</a:t>
             </a:fld>
             <a:endParaRPr lang="en-US" dirty="0"/>
           </a:p>
@@ -4522,7 +4522,7 @@
           <a:p>
             <a:fld id="{40DA1498-92C7-4E4B-8045-C9195F453964}" type="datetimeFigureOut">
               <a:rPr lang="en-US" smtClean="0"/>
-              <a:t>4/22/2023</a:t>
+              <a:t>4/27/2023</a:t>
             </a:fld>
             <a:endParaRPr lang="en-US" dirty="0"/>
           </a:p>
@@ -4937,7 +4937,7 @@
           <a:p>
             <a:fld id="{40DA1498-92C7-4E4B-8045-C9195F453964}" type="datetimeFigureOut">
               <a:rPr lang="en-US" smtClean="0"/>
-              <a:t>4/22/2023</a:t>
+              <a:t>4/27/2023</a:t>
             </a:fld>
             <a:endParaRPr lang="en-US" dirty="0"/>
           </a:p>
@@ -5079,7 +5079,7 @@
           <a:p>
             <a:fld id="{40DA1498-92C7-4E4B-8045-C9195F453964}" type="datetimeFigureOut">
               <a:rPr lang="en-US" smtClean="0"/>
-              <a:t>4/22/2023</a:t>
+              <a:t>4/27/2023</a:t>
             </a:fld>
             <a:endParaRPr lang="en-US" dirty="0"/>
           </a:p>
@@ -5192,7 +5192,7 @@
           <a:p>
             <a:fld id="{40DA1498-92C7-4E4B-8045-C9195F453964}" type="datetimeFigureOut">
               <a:rPr lang="en-US" smtClean="0"/>
-              <a:t>4/22/2023</a:t>
+              <a:t>4/27/2023</a:t>
             </a:fld>
             <a:endParaRPr lang="en-US" dirty="0"/>
           </a:p>
@@ -5505,7 +5505,7 @@
           <a:p>
             <a:fld id="{40DA1498-92C7-4E4B-8045-C9195F453964}" type="datetimeFigureOut">
               <a:rPr lang="en-US" smtClean="0"/>
-              <a:t>4/22/2023</a:t>
+              <a:t>4/27/2023</a:t>
             </a:fld>
             <a:endParaRPr lang="en-US" dirty="0"/>
           </a:p>
@@ -5798,7 +5798,7 @@
           <a:p>
             <a:fld id="{40DA1498-92C7-4E4B-8045-C9195F453964}" type="datetimeFigureOut">
               <a:rPr lang="en-US" smtClean="0"/>
-              <a:t>4/22/2023</a:t>
+              <a:t>4/27/2023</a:t>
             </a:fld>
             <a:endParaRPr lang="en-US" dirty="0"/>
           </a:p>
@@ -6041,7 +6041,7 @@
           <a:p>
             <a:fld id="{40DA1498-92C7-4E4B-8045-C9195F453964}" type="datetimeFigureOut">
               <a:rPr lang="en-US" smtClean="0"/>
-              <a:t>4/22/2023</a:t>
+              <a:t>4/27/2023</a:t>
             </a:fld>
             <a:endParaRPr lang="en-US" dirty="0"/>
           </a:p>
@@ -8515,8 +8515,8 @@
         </p:blipFill>
         <p:spPr>
           <a:xfrm>
-            <a:off x="7426743" y="1712138"/>
-            <a:ext cx="3642875" cy="2208429"/>
+            <a:off x="7349251" y="1459507"/>
+            <a:ext cx="4088498" cy="2478580"/>
           </a:xfrm>
           <a:prstGeom prst="rect">
             <a:avLst/>
@@ -8886,7 +8886,7 @@
         </p:blipFill>
         <p:spPr>
           <a:xfrm>
-            <a:off x="7815704" y="2449721"/>
+            <a:off x="7863336" y="2286334"/>
             <a:ext cx="3400900" cy="2181529"/>
           </a:xfrm>
           <a:prstGeom prst="rect">
@@ -8916,7 +8916,7 @@
         </p:blipFill>
         <p:spPr>
           <a:xfrm>
-            <a:off x="7910968" y="4712224"/>
+            <a:off x="7958600" y="4526634"/>
             <a:ext cx="3305636" cy="2019582"/>
           </a:xfrm>
           <a:prstGeom prst="rect">
@@ -9711,6 +9711,52 @@
           </a:prstGeom>
         </p:spPr>
       </p:pic>
+      <p:sp>
+        <p:nvSpPr>
+          <p:cNvPr id="2" name="TextBox 1">
+            <a:extLst>
+              <a:ext uri="{FF2B5EF4-FFF2-40B4-BE49-F238E27FC236}">
+                <a16:creationId xmlns:a16="http://schemas.microsoft.com/office/drawing/2014/main" id="{8BE1167A-B005-92C2-0A8F-0A26EA449D96}"/>
+              </a:ext>
+            </a:extLst>
+          </p:cNvPr>
+          <p:cNvSpPr txBox="1"/>
+          <p:nvPr/>
+        </p:nvSpPr>
+        <p:spPr>
+          <a:xfrm>
+            <a:off x="8329608" y="975233"/>
+            <a:ext cx="814391" cy="400110"/>
+          </a:xfrm>
+          <a:prstGeom prst="rect">
+            <a:avLst/>
+          </a:prstGeom>
+          <a:noFill/>
+        </p:spPr>
+        <p:txBody>
+          <a:bodyPr wrap="square" rtlCol="0">
+            <a:spAutoFit/>
+          </a:bodyPr>
+          <a:lstStyle/>
+          <a:p>
+            <a:r>
+              <a:rPr kumimoji="1" lang="en-US" altLang="ja-JP" sz="2000" b="1" dirty="0">
+                <a:solidFill>
+                  <a:schemeClr val="bg1"/>
+                </a:solidFill>
+                <a:latin typeface="Arial Black" panose="020B0A04020102020204" pitchFamily="34" charset="0"/>
+              </a:rPr>
+              <a:t>5.6</a:t>
+            </a:r>
+            <a:endParaRPr kumimoji="1" lang="ja-JP" altLang="en-US" sz="2000" b="1" dirty="0">
+              <a:solidFill>
+                <a:schemeClr val="bg1"/>
+              </a:solidFill>
+              <a:latin typeface="Arial Black" panose="020B0A04020102020204" pitchFamily="34" charset="0"/>
+            </a:endParaRPr>
+          </a:p>
+        </p:txBody>
+      </p:sp>
     </p:spTree>
     <p:extLst>
       <p:ext uri="{BB962C8B-B14F-4D97-AF65-F5344CB8AC3E}">
@@ -10676,7 +10722,7 @@
         </p:nvSpPr>
         <p:spPr>
           <a:xfrm>
-            <a:off x="3855719" y="5090238"/>
+            <a:off x="4630270" y="5574660"/>
             <a:ext cx="960895" cy="400110"/>
           </a:xfrm>
           <a:prstGeom prst="rect">
@@ -10768,6 +10814,52 @@
           </a:prstGeom>
         </p:spPr>
       </p:pic>
+      <p:sp>
+        <p:nvSpPr>
+          <p:cNvPr id="7" name="TextBox 6">
+            <a:extLst>
+              <a:ext uri="{FF2B5EF4-FFF2-40B4-BE49-F238E27FC236}">
+                <a16:creationId xmlns:a16="http://schemas.microsoft.com/office/drawing/2014/main" id="{BC0D4695-ED65-DA75-5F9A-65067AADB3CA}"/>
+              </a:ext>
+            </a:extLst>
+          </p:cNvPr>
+          <p:cNvSpPr txBox="1"/>
+          <p:nvPr/>
+        </p:nvSpPr>
+        <p:spPr>
+          <a:xfrm>
+            <a:off x="2133599" y="1530461"/>
+            <a:ext cx="717572" cy="400110"/>
+          </a:xfrm>
+          <a:prstGeom prst="rect">
+            <a:avLst/>
+          </a:prstGeom>
+          <a:noFill/>
+        </p:spPr>
+        <p:txBody>
+          <a:bodyPr wrap="square" rtlCol="0">
+            <a:spAutoFit/>
+          </a:bodyPr>
+          <a:lstStyle/>
+          <a:p>
+            <a:r>
+              <a:rPr kumimoji="1" lang="en-US" altLang="ja-JP" sz="2000" b="1" dirty="0">
+                <a:solidFill>
+                  <a:schemeClr val="bg1"/>
+                </a:solidFill>
+                <a:latin typeface="Arial Black" panose="020B0A04020102020204" pitchFamily="34" charset="0"/>
+              </a:rPr>
+              <a:t>5.6</a:t>
+            </a:r>
+            <a:endParaRPr kumimoji="1" lang="ja-JP" altLang="en-US" sz="2000" b="1" dirty="0">
+              <a:solidFill>
+                <a:schemeClr val="bg1"/>
+              </a:solidFill>
+              <a:latin typeface="Arial Black" panose="020B0A04020102020204" pitchFamily="34" charset="0"/>
+            </a:endParaRPr>
+          </a:p>
+        </p:txBody>
+      </p:sp>
     </p:spTree>
     <p:extLst>
       <p:ext uri="{BB962C8B-B14F-4D97-AF65-F5344CB8AC3E}">
@@ -11125,7 +11217,7 @@
         <p:spPr>
           <a:xfrm>
             <a:off x="6347158" y="5556362"/>
-            <a:ext cx="5860796" cy="655308"/>
+            <a:ext cx="5860796" cy="1301638"/>
           </a:xfrm>
           <a:prstGeom prst="rect">
             <a:avLst/>
@@ -11149,7 +11241,7 @@
                 <a:ea typeface="+mj-ea"/>
                 <a:cs typeface="+mj-cs"/>
               </a:rPr>
-              <a:t>Enjoy: Religious and beach</a:t>
+              <a:t>Enjoy: Religious Places and beach</a:t>
             </a:r>
           </a:p>
         </p:txBody>
@@ -16598,10 +16690,7 @@
             <a:r>
               <a:rPr kumimoji="1" lang="en-US" altLang="ja-JP" b="1" dirty="0">
                 <a:solidFill>
-                  <a:schemeClr val="tx1">
-                    <a:lumMod val="75000"/>
-                    <a:lumOff val="25000"/>
-                  </a:schemeClr>
+                  <a:schemeClr val="accent6"/>
                 </a:solidFill>
                 <a:latin typeface="Arial" panose="020B0604020202020204" pitchFamily="34" charset="0"/>
                 <a:cs typeface="Arial" panose="020B0604020202020204" pitchFamily="34" charset="0"/>
@@ -16610,10 +16699,7 @@
             </a:r>
             <a:endParaRPr kumimoji="1" lang="ja-JP" altLang="en-US" b="1" dirty="0">
               <a:solidFill>
-                <a:schemeClr val="tx1">
-                  <a:lumMod val="75000"/>
-                  <a:lumOff val="25000"/>
-                </a:schemeClr>
+                <a:schemeClr val="accent6"/>
               </a:solidFill>
               <a:latin typeface="Arial" panose="020B0604020202020204" pitchFamily="34" charset="0"/>
               <a:cs typeface="Arial" panose="020B0604020202020204" pitchFamily="34" charset="0"/>
@@ -16636,6 +16722,438 @@
         <p:spPr>
           <a:xfrm>
             <a:off x="10340081" y="2182110"/>
+            <a:ext cx="2063692" cy="368250"/>
+          </a:xfrm>
+          <a:prstGeom prst="rect">
+            <a:avLst/>
+          </a:prstGeom>
+          <a:noFill/>
+        </p:spPr>
+        <p:txBody>
+          <a:bodyPr wrap="square" rtlCol="0">
+            <a:spAutoFit/>
+          </a:bodyPr>
+          <a:lstStyle/>
+          <a:p>
+            <a:r>
+              <a:rPr kumimoji="1" lang="en-US" altLang="ja-JP" b="1" dirty="0">
+                <a:solidFill>
+                  <a:schemeClr val="accent6"/>
+                </a:solidFill>
+                <a:latin typeface="Arial" panose="020B0604020202020204" pitchFamily="34" charset="0"/>
+                <a:cs typeface="Arial" panose="020B0604020202020204" pitchFamily="34" charset="0"/>
+              </a:rPr>
+              <a:t>(0.1032)</a:t>
+            </a:r>
+            <a:endParaRPr kumimoji="1" lang="ja-JP" altLang="en-US" b="1" dirty="0">
+              <a:solidFill>
+                <a:schemeClr val="accent6"/>
+              </a:solidFill>
+              <a:latin typeface="Arial" panose="020B0604020202020204" pitchFamily="34" charset="0"/>
+              <a:cs typeface="Arial" panose="020B0604020202020204" pitchFamily="34" charset="0"/>
+            </a:endParaRPr>
+          </a:p>
+        </p:txBody>
+      </p:sp>
+      <p:sp>
+        <p:nvSpPr>
+          <p:cNvPr id="18" name="TextBox 17">
+            <a:extLst>
+              <a:ext uri="{FF2B5EF4-FFF2-40B4-BE49-F238E27FC236}">
+                <a16:creationId xmlns:a16="http://schemas.microsoft.com/office/drawing/2014/main" id="{BFD34CC7-3BED-B748-E65D-ED4069EADD23}"/>
+              </a:ext>
+            </a:extLst>
+          </p:cNvPr>
+          <p:cNvSpPr txBox="1"/>
+          <p:nvPr/>
+        </p:nvSpPr>
+        <p:spPr>
+          <a:xfrm>
+            <a:off x="7498968" y="2724079"/>
+            <a:ext cx="2063692" cy="368250"/>
+          </a:xfrm>
+          <a:prstGeom prst="rect">
+            <a:avLst/>
+          </a:prstGeom>
+          <a:noFill/>
+        </p:spPr>
+        <p:txBody>
+          <a:bodyPr wrap="square" rtlCol="0">
+            <a:spAutoFit/>
+          </a:bodyPr>
+          <a:lstStyle/>
+          <a:p>
+            <a:r>
+              <a:rPr kumimoji="1" lang="en-US" altLang="ja-JP" b="1" dirty="0">
+                <a:solidFill>
+                  <a:schemeClr val="accent6"/>
+                </a:solidFill>
+                <a:latin typeface="Arial" panose="020B0604020202020204" pitchFamily="34" charset="0"/>
+                <a:cs typeface="Arial" panose="020B0604020202020204" pitchFamily="34" charset="0"/>
+              </a:rPr>
+              <a:t>(0.2911)</a:t>
+            </a:r>
+            <a:endParaRPr kumimoji="1" lang="ja-JP" altLang="en-US" b="1" dirty="0">
+              <a:solidFill>
+                <a:schemeClr val="accent6"/>
+              </a:solidFill>
+              <a:latin typeface="Arial" panose="020B0604020202020204" pitchFamily="34" charset="0"/>
+              <a:cs typeface="Arial" panose="020B0604020202020204" pitchFamily="34" charset="0"/>
+            </a:endParaRPr>
+          </a:p>
+        </p:txBody>
+      </p:sp>
+      <p:sp>
+        <p:nvSpPr>
+          <p:cNvPr id="19" name="TextBox 18">
+            <a:extLst>
+              <a:ext uri="{FF2B5EF4-FFF2-40B4-BE49-F238E27FC236}">
+                <a16:creationId xmlns:a16="http://schemas.microsoft.com/office/drawing/2014/main" id="{18B912D1-471A-646D-E1CE-AAF725EDA288}"/>
+              </a:ext>
+            </a:extLst>
+          </p:cNvPr>
+          <p:cNvSpPr txBox="1"/>
+          <p:nvPr/>
+        </p:nvSpPr>
+        <p:spPr>
+          <a:xfrm>
+            <a:off x="6755863" y="3242611"/>
+            <a:ext cx="2063692" cy="368250"/>
+          </a:xfrm>
+          <a:prstGeom prst="rect">
+            <a:avLst/>
+          </a:prstGeom>
+          <a:noFill/>
+        </p:spPr>
+        <p:txBody>
+          <a:bodyPr wrap="square" rtlCol="0">
+            <a:spAutoFit/>
+          </a:bodyPr>
+          <a:lstStyle/>
+          <a:p>
+            <a:r>
+              <a:rPr kumimoji="1" lang="en-US" altLang="ja-JP" b="1" dirty="0">
+                <a:solidFill>
+                  <a:schemeClr val="accent6"/>
+                </a:solidFill>
+                <a:latin typeface="Arial" panose="020B0604020202020204" pitchFamily="34" charset="0"/>
+                <a:cs typeface="Arial" panose="020B0604020202020204" pitchFamily="34" charset="0"/>
+              </a:rPr>
+              <a:t>(0.1329)</a:t>
+            </a:r>
+            <a:endParaRPr kumimoji="1" lang="ja-JP" altLang="en-US" b="1" dirty="0">
+              <a:solidFill>
+                <a:schemeClr val="accent6"/>
+              </a:solidFill>
+              <a:latin typeface="Arial" panose="020B0604020202020204" pitchFamily="34" charset="0"/>
+              <a:cs typeface="Arial" panose="020B0604020202020204" pitchFamily="34" charset="0"/>
+            </a:endParaRPr>
+          </a:p>
+        </p:txBody>
+      </p:sp>
+      <p:sp>
+        <p:nvSpPr>
+          <p:cNvPr id="20" name="TextBox 19">
+            <a:extLst>
+              <a:ext uri="{FF2B5EF4-FFF2-40B4-BE49-F238E27FC236}">
+                <a16:creationId xmlns:a16="http://schemas.microsoft.com/office/drawing/2014/main" id="{13FD17F6-2A3E-E76E-5AAE-F8A66C3E864F}"/>
+              </a:ext>
+            </a:extLst>
+          </p:cNvPr>
+          <p:cNvSpPr txBox="1"/>
+          <p:nvPr/>
+        </p:nvSpPr>
+        <p:spPr>
+          <a:xfrm>
+            <a:off x="11326321" y="1157632"/>
+            <a:ext cx="2063692" cy="368250"/>
+          </a:xfrm>
+          <a:prstGeom prst="rect">
+            <a:avLst/>
+          </a:prstGeom>
+          <a:noFill/>
+        </p:spPr>
+        <p:txBody>
+          <a:bodyPr wrap="square" rtlCol="0">
+            <a:spAutoFit/>
+          </a:bodyPr>
+          <a:lstStyle/>
+          <a:p>
+            <a:r>
+              <a:rPr kumimoji="1" lang="en-US" altLang="ja-JP" b="1" dirty="0">
+                <a:solidFill>
+                  <a:schemeClr val="accent6"/>
+                </a:solidFill>
+                <a:latin typeface="Arial" panose="020B0604020202020204" pitchFamily="34" charset="0"/>
+                <a:cs typeface="Arial" panose="020B0604020202020204" pitchFamily="34" charset="0"/>
+              </a:rPr>
+              <a:t>(0.006)</a:t>
+            </a:r>
+            <a:endParaRPr kumimoji="1" lang="ja-JP" altLang="en-US" b="1" dirty="0">
+              <a:solidFill>
+                <a:schemeClr val="accent6"/>
+              </a:solidFill>
+              <a:latin typeface="Arial" panose="020B0604020202020204" pitchFamily="34" charset="0"/>
+              <a:cs typeface="Arial" panose="020B0604020202020204" pitchFamily="34" charset="0"/>
+            </a:endParaRPr>
+          </a:p>
+        </p:txBody>
+      </p:sp>
+      <p:sp>
+        <p:nvSpPr>
+          <p:cNvPr id="21" name="TextBox 20">
+            <a:extLst>
+              <a:ext uri="{FF2B5EF4-FFF2-40B4-BE49-F238E27FC236}">
+                <a16:creationId xmlns:a16="http://schemas.microsoft.com/office/drawing/2014/main" id="{1A5EFDEF-D0E3-8386-9328-38D5D3555858}"/>
+              </a:ext>
+            </a:extLst>
+          </p:cNvPr>
+          <p:cNvSpPr txBox="1"/>
+          <p:nvPr/>
+        </p:nvSpPr>
+        <p:spPr>
+          <a:xfrm>
+            <a:off x="6135522" y="3766944"/>
+            <a:ext cx="2063692" cy="368250"/>
+          </a:xfrm>
+          <a:prstGeom prst="rect">
+            <a:avLst/>
+          </a:prstGeom>
+          <a:noFill/>
+        </p:spPr>
+        <p:txBody>
+          <a:bodyPr wrap="square" rtlCol="0">
+            <a:spAutoFit/>
+          </a:bodyPr>
+          <a:lstStyle/>
+          <a:p>
+            <a:r>
+              <a:rPr kumimoji="1" lang="en-US" altLang="ja-JP" b="1" dirty="0">
+                <a:solidFill>
+                  <a:schemeClr val="accent6"/>
+                </a:solidFill>
+                <a:latin typeface="Arial" panose="020B0604020202020204" pitchFamily="34" charset="0"/>
+                <a:cs typeface="Arial" panose="020B0604020202020204" pitchFamily="34" charset="0"/>
+              </a:rPr>
+              <a:t>(0.2287)</a:t>
+            </a:r>
+            <a:endParaRPr kumimoji="1" lang="ja-JP" altLang="en-US" b="1" dirty="0">
+              <a:solidFill>
+                <a:schemeClr val="accent6"/>
+              </a:solidFill>
+              <a:latin typeface="Arial" panose="020B0604020202020204" pitchFamily="34" charset="0"/>
+              <a:cs typeface="Arial" panose="020B0604020202020204" pitchFamily="34" charset="0"/>
+            </a:endParaRPr>
+          </a:p>
+        </p:txBody>
+      </p:sp>
+      <p:sp>
+        <p:nvSpPr>
+          <p:cNvPr id="22" name="TextBox 21">
+            <a:extLst>
+              <a:ext uri="{FF2B5EF4-FFF2-40B4-BE49-F238E27FC236}">
+                <a16:creationId xmlns:a16="http://schemas.microsoft.com/office/drawing/2014/main" id="{F13347CD-49D7-B3F7-1FE4-707A78D00363}"/>
+              </a:ext>
+            </a:extLst>
+          </p:cNvPr>
+          <p:cNvSpPr txBox="1"/>
+          <p:nvPr/>
+        </p:nvSpPr>
+        <p:spPr>
+          <a:xfrm>
+            <a:off x="3856464" y="5902580"/>
+            <a:ext cx="2063692" cy="368250"/>
+          </a:xfrm>
+          <a:prstGeom prst="rect">
+            <a:avLst/>
+          </a:prstGeom>
+          <a:noFill/>
+        </p:spPr>
+        <p:txBody>
+          <a:bodyPr wrap="square" rtlCol="0">
+            <a:spAutoFit/>
+          </a:bodyPr>
+          <a:lstStyle/>
+          <a:p>
+            <a:r>
+              <a:rPr kumimoji="1" lang="en-US" altLang="ja-JP" b="1" dirty="0">
+                <a:solidFill>
+                  <a:schemeClr val="accent6"/>
+                </a:solidFill>
+                <a:latin typeface="Arial" panose="020B0604020202020204" pitchFamily="34" charset="0"/>
+                <a:cs typeface="Arial" panose="020B0604020202020204" pitchFamily="34" charset="0"/>
+              </a:rPr>
+              <a:t>(0.07825)</a:t>
+            </a:r>
+            <a:endParaRPr kumimoji="1" lang="ja-JP" altLang="en-US" b="1" dirty="0">
+              <a:solidFill>
+                <a:schemeClr val="accent6"/>
+              </a:solidFill>
+              <a:latin typeface="Arial" panose="020B0604020202020204" pitchFamily="34" charset="0"/>
+              <a:cs typeface="Arial" panose="020B0604020202020204" pitchFamily="34" charset="0"/>
+            </a:endParaRPr>
+          </a:p>
+        </p:txBody>
+      </p:sp>
+      <p:sp>
+        <p:nvSpPr>
+          <p:cNvPr id="23" name="TextBox 22">
+            <a:extLst>
+              <a:ext uri="{FF2B5EF4-FFF2-40B4-BE49-F238E27FC236}">
+                <a16:creationId xmlns:a16="http://schemas.microsoft.com/office/drawing/2014/main" id="{D234BB7A-23F6-A7C3-D43E-2836E9690342}"/>
+              </a:ext>
+            </a:extLst>
+          </p:cNvPr>
+          <p:cNvSpPr txBox="1"/>
+          <p:nvPr/>
+        </p:nvSpPr>
+        <p:spPr>
+          <a:xfrm>
+            <a:off x="5193636" y="4358842"/>
+            <a:ext cx="2063692" cy="368250"/>
+          </a:xfrm>
+          <a:prstGeom prst="rect">
+            <a:avLst/>
+          </a:prstGeom>
+          <a:noFill/>
+        </p:spPr>
+        <p:txBody>
+          <a:bodyPr wrap="square" rtlCol="0">
+            <a:spAutoFit/>
+          </a:bodyPr>
+          <a:lstStyle/>
+          <a:p>
+            <a:r>
+              <a:rPr kumimoji="1" lang="en-US" altLang="ja-JP" b="1" dirty="0">
+                <a:solidFill>
+                  <a:schemeClr val="accent6"/>
+                </a:solidFill>
+                <a:latin typeface="Arial" panose="020B0604020202020204" pitchFamily="34" charset="0"/>
+                <a:cs typeface="Arial" panose="020B0604020202020204" pitchFamily="34" charset="0"/>
+              </a:rPr>
+              <a:t>(0.6219)</a:t>
+            </a:r>
+            <a:endParaRPr kumimoji="1" lang="ja-JP" altLang="en-US" b="1" dirty="0">
+              <a:solidFill>
+                <a:schemeClr val="accent6"/>
+              </a:solidFill>
+              <a:latin typeface="Arial" panose="020B0604020202020204" pitchFamily="34" charset="0"/>
+              <a:cs typeface="Arial" panose="020B0604020202020204" pitchFamily="34" charset="0"/>
+            </a:endParaRPr>
+          </a:p>
+        </p:txBody>
+      </p:sp>
+      <p:sp>
+        <p:nvSpPr>
+          <p:cNvPr id="24" name="TextBox 23">
+            <a:extLst>
+              <a:ext uri="{FF2B5EF4-FFF2-40B4-BE49-F238E27FC236}">
+                <a16:creationId xmlns:a16="http://schemas.microsoft.com/office/drawing/2014/main" id="{4A8C1A88-7E04-00D9-2F1D-A48925D42CEA}"/>
+              </a:ext>
+            </a:extLst>
+          </p:cNvPr>
+          <p:cNvSpPr txBox="1"/>
+          <p:nvPr/>
+        </p:nvSpPr>
+        <p:spPr>
+          <a:xfrm>
+            <a:off x="4933648" y="4864230"/>
+            <a:ext cx="2063692" cy="368250"/>
+          </a:xfrm>
+          <a:prstGeom prst="rect">
+            <a:avLst/>
+          </a:prstGeom>
+          <a:noFill/>
+        </p:spPr>
+        <p:txBody>
+          <a:bodyPr wrap="square" rtlCol="0">
+            <a:spAutoFit/>
+          </a:bodyPr>
+          <a:lstStyle/>
+          <a:p>
+            <a:r>
+              <a:rPr kumimoji="1" lang="en-US" altLang="ja-JP" b="1" dirty="0">
+                <a:solidFill>
+                  <a:schemeClr val="accent6"/>
+                </a:solidFill>
+                <a:latin typeface="Arial" panose="020B0604020202020204" pitchFamily="34" charset="0"/>
+                <a:cs typeface="Arial" panose="020B0604020202020204" pitchFamily="34" charset="0"/>
+              </a:rPr>
+              <a:t>(0.1913)</a:t>
+            </a:r>
+            <a:endParaRPr kumimoji="1" lang="ja-JP" altLang="en-US" b="1" dirty="0">
+              <a:solidFill>
+                <a:schemeClr val="accent6"/>
+              </a:solidFill>
+              <a:latin typeface="Arial" panose="020B0604020202020204" pitchFamily="34" charset="0"/>
+              <a:cs typeface="Arial" panose="020B0604020202020204" pitchFamily="34" charset="0"/>
+            </a:endParaRPr>
+          </a:p>
+        </p:txBody>
+      </p:sp>
+      <p:sp>
+        <p:nvSpPr>
+          <p:cNvPr id="25" name="TextBox 24">
+            <a:extLst>
+              <a:ext uri="{FF2B5EF4-FFF2-40B4-BE49-F238E27FC236}">
+                <a16:creationId xmlns:a16="http://schemas.microsoft.com/office/drawing/2014/main" id="{D2C02FD9-CDD5-D111-3177-4AA7F0832370}"/>
+              </a:ext>
+            </a:extLst>
+          </p:cNvPr>
+          <p:cNvSpPr txBox="1"/>
+          <p:nvPr/>
+        </p:nvSpPr>
+        <p:spPr>
+          <a:xfrm>
+            <a:off x="4860390" y="5383405"/>
+            <a:ext cx="2063692" cy="368250"/>
+          </a:xfrm>
+          <a:prstGeom prst="rect">
+            <a:avLst/>
+          </a:prstGeom>
+          <a:noFill/>
+        </p:spPr>
+        <p:txBody>
+          <a:bodyPr wrap="square" rtlCol="0">
+            <a:spAutoFit/>
+          </a:bodyPr>
+          <a:lstStyle/>
+          <a:p>
+            <a:r>
+              <a:rPr kumimoji="1" lang="en-US" altLang="ja-JP" b="1" dirty="0">
+                <a:solidFill>
+                  <a:schemeClr val="accent6"/>
+                </a:solidFill>
+                <a:latin typeface="Arial" panose="020B0604020202020204" pitchFamily="34" charset="0"/>
+                <a:cs typeface="Arial" panose="020B0604020202020204" pitchFamily="34" charset="0"/>
+              </a:rPr>
+              <a:t>(0.1068)</a:t>
+            </a:r>
+            <a:endParaRPr kumimoji="1" lang="ja-JP" altLang="en-US" b="1" dirty="0">
+              <a:solidFill>
+                <a:schemeClr val="accent6"/>
+              </a:solidFill>
+              <a:latin typeface="Arial" panose="020B0604020202020204" pitchFamily="34" charset="0"/>
+              <a:cs typeface="Arial" panose="020B0604020202020204" pitchFamily="34" charset="0"/>
+            </a:endParaRPr>
+          </a:p>
+        </p:txBody>
+      </p:sp>
+      <p:sp>
+        <p:nvSpPr>
+          <p:cNvPr id="26" name="TextBox 25">
+            <a:extLst>
+              <a:ext uri="{FF2B5EF4-FFF2-40B4-BE49-F238E27FC236}">
+                <a16:creationId xmlns:a16="http://schemas.microsoft.com/office/drawing/2014/main" id="{5AD85614-3C45-7BB6-4E5D-34000F6F8A45}"/>
+              </a:ext>
+            </a:extLst>
+          </p:cNvPr>
+          <p:cNvSpPr txBox="1"/>
+          <p:nvPr/>
+        </p:nvSpPr>
+        <p:spPr>
+          <a:xfrm>
+            <a:off x="7167368" y="612050"/>
             <a:ext cx="2063692" cy="368250"/>
           </a:xfrm>
           <a:prstGeom prst="rect">
@@ -16660,49 +17178,18 @@
                 <a:latin typeface="Arial" panose="020B0604020202020204" pitchFamily="34" charset="0"/>
                 <a:cs typeface="Arial" panose="020B0604020202020204" pitchFamily="34" charset="0"/>
               </a:rPr>
-              <a:t>(0.1032)</a:t>
-            </a:r>
-            <a:endParaRPr kumimoji="1" lang="ja-JP" altLang="en-US" b="1" dirty="0">
-              <a:solidFill>
-                <a:schemeClr val="tx1">
-                  <a:lumMod val="75000"/>
-                  <a:lumOff val="25000"/>
-                </a:schemeClr>
-              </a:solidFill>
-              <a:latin typeface="Arial" panose="020B0604020202020204" pitchFamily="34" charset="0"/>
-              <a:cs typeface="Arial" panose="020B0604020202020204" pitchFamily="34" charset="0"/>
-            </a:endParaRPr>
-          </a:p>
-        </p:txBody>
-      </p:sp>
-      <p:sp>
-        <p:nvSpPr>
-          <p:cNvPr id="18" name="TextBox 17">
-            <a:extLst>
-              <a:ext uri="{FF2B5EF4-FFF2-40B4-BE49-F238E27FC236}">
-                <a16:creationId xmlns:a16="http://schemas.microsoft.com/office/drawing/2014/main" id="{BFD34CC7-3BED-B748-E65D-ED4069EADD23}"/>
-              </a:ext>
-            </a:extLst>
-          </p:cNvPr>
-          <p:cNvSpPr txBox="1"/>
-          <p:nvPr/>
-        </p:nvSpPr>
-        <p:spPr>
-          <a:xfrm>
-            <a:off x="7498968" y="2724079"/>
-            <a:ext cx="2063692" cy="368250"/>
-          </a:xfrm>
-          <a:prstGeom prst="rect">
-            <a:avLst/>
-          </a:prstGeom>
-          <a:noFill/>
-        </p:spPr>
-        <p:txBody>
-          <a:bodyPr wrap="square" rtlCol="0">
-            <a:spAutoFit/>
-          </a:bodyPr>
-          <a:lstStyle/>
-          <a:p>
+              <a:t>(</a:t>
+            </a:r>
+            <a:r>
+              <a:rPr kumimoji="1" lang="en-US" altLang="ja-JP" b="1" dirty="0">
+                <a:solidFill>
+                  <a:schemeClr val="accent6"/>
+                </a:solidFill>
+                <a:latin typeface="Arial" panose="020B0604020202020204" pitchFamily="34" charset="0"/>
+                <a:cs typeface="Arial" panose="020B0604020202020204" pitchFamily="34" charset="0"/>
+              </a:rPr>
+              <a:t>Variance</a:t>
+            </a:r>
             <a:r>
               <a:rPr kumimoji="1" lang="en-US" altLang="ja-JP" b="1" dirty="0">
                 <a:solidFill>
@@ -16714,439 +17201,7 @@
                 <a:latin typeface="Arial" panose="020B0604020202020204" pitchFamily="34" charset="0"/>
                 <a:cs typeface="Arial" panose="020B0604020202020204" pitchFamily="34" charset="0"/>
               </a:rPr>
-              <a:t>(0.2911)</a:t>
-            </a:r>
-            <a:endParaRPr kumimoji="1" lang="ja-JP" altLang="en-US" b="1" dirty="0">
-              <a:solidFill>
-                <a:schemeClr val="tx1">
-                  <a:lumMod val="75000"/>
-                  <a:lumOff val="25000"/>
-                </a:schemeClr>
-              </a:solidFill>
-              <a:latin typeface="Arial" panose="020B0604020202020204" pitchFamily="34" charset="0"/>
-              <a:cs typeface="Arial" panose="020B0604020202020204" pitchFamily="34" charset="0"/>
-            </a:endParaRPr>
-          </a:p>
-        </p:txBody>
-      </p:sp>
-      <p:sp>
-        <p:nvSpPr>
-          <p:cNvPr id="19" name="TextBox 18">
-            <a:extLst>
-              <a:ext uri="{FF2B5EF4-FFF2-40B4-BE49-F238E27FC236}">
-                <a16:creationId xmlns:a16="http://schemas.microsoft.com/office/drawing/2014/main" id="{18B912D1-471A-646D-E1CE-AAF725EDA288}"/>
-              </a:ext>
-            </a:extLst>
-          </p:cNvPr>
-          <p:cNvSpPr txBox="1"/>
-          <p:nvPr/>
-        </p:nvSpPr>
-        <p:spPr>
-          <a:xfrm>
-            <a:off x="6755863" y="3242611"/>
-            <a:ext cx="2063692" cy="368250"/>
-          </a:xfrm>
-          <a:prstGeom prst="rect">
-            <a:avLst/>
-          </a:prstGeom>
-          <a:noFill/>
-        </p:spPr>
-        <p:txBody>
-          <a:bodyPr wrap="square" rtlCol="0">
-            <a:spAutoFit/>
-          </a:bodyPr>
-          <a:lstStyle/>
-          <a:p>
-            <a:r>
-              <a:rPr kumimoji="1" lang="en-US" altLang="ja-JP" b="1" dirty="0">
-                <a:solidFill>
-                  <a:schemeClr val="tx1">
-                    <a:lumMod val="75000"/>
-                    <a:lumOff val="25000"/>
-                  </a:schemeClr>
-                </a:solidFill>
-                <a:latin typeface="Arial" panose="020B0604020202020204" pitchFamily="34" charset="0"/>
-                <a:cs typeface="Arial" panose="020B0604020202020204" pitchFamily="34" charset="0"/>
-              </a:rPr>
-              <a:t>(0.1329)</a:t>
-            </a:r>
-            <a:endParaRPr kumimoji="1" lang="ja-JP" altLang="en-US" b="1" dirty="0">
-              <a:solidFill>
-                <a:schemeClr val="tx1">
-                  <a:lumMod val="75000"/>
-                  <a:lumOff val="25000"/>
-                </a:schemeClr>
-              </a:solidFill>
-              <a:latin typeface="Arial" panose="020B0604020202020204" pitchFamily="34" charset="0"/>
-              <a:cs typeface="Arial" panose="020B0604020202020204" pitchFamily="34" charset="0"/>
-            </a:endParaRPr>
-          </a:p>
-        </p:txBody>
-      </p:sp>
-      <p:sp>
-        <p:nvSpPr>
-          <p:cNvPr id="20" name="TextBox 19">
-            <a:extLst>
-              <a:ext uri="{FF2B5EF4-FFF2-40B4-BE49-F238E27FC236}">
-                <a16:creationId xmlns:a16="http://schemas.microsoft.com/office/drawing/2014/main" id="{13FD17F6-2A3E-E76E-5AAE-F8A66C3E864F}"/>
-              </a:ext>
-            </a:extLst>
-          </p:cNvPr>
-          <p:cNvSpPr txBox="1"/>
-          <p:nvPr/>
-        </p:nvSpPr>
-        <p:spPr>
-          <a:xfrm>
-            <a:off x="11326321" y="1157632"/>
-            <a:ext cx="2063692" cy="368250"/>
-          </a:xfrm>
-          <a:prstGeom prst="rect">
-            <a:avLst/>
-          </a:prstGeom>
-          <a:noFill/>
-        </p:spPr>
-        <p:txBody>
-          <a:bodyPr wrap="square" rtlCol="0">
-            <a:spAutoFit/>
-          </a:bodyPr>
-          <a:lstStyle/>
-          <a:p>
-            <a:r>
-              <a:rPr kumimoji="1" lang="en-US" altLang="ja-JP" b="1" dirty="0">
-                <a:solidFill>
-                  <a:schemeClr val="tx1">
-                    <a:lumMod val="75000"/>
-                    <a:lumOff val="25000"/>
-                  </a:schemeClr>
-                </a:solidFill>
-                <a:latin typeface="Arial" panose="020B0604020202020204" pitchFamily="34" charset="0"/>
-                <a:cs typeface="Arial" panose="020B0604020202020204" pitchFamily="34" charset="0"/>
-              </a:rPr>
-              <a:t>(0.006)</a:t>
-            </a:r>
-            <a:endParaRPr kumimoji="1" lang="ja-JP" altLang="en-US" b="1" dirty="0">
-              <a:solidFill>
-                <a:schemeClr val="tx1">
-                  <a:lumMod val="75000"/>
-                  <a:lumOff val="25000"/>
-                </a:schemeClr>
-              </a:solidFill>
-              <a:latin typeface="Arial" panose="020B0604020202020204" pitchFamily="34" charset="0"/>
-              <a:cs typeface="Arial" panose="020B0604020202020204" pitchFamily="34" charset="0"/>
-            </a:endParaRPr>
-          </a:p>
-        </p:txBody>
-      </p:sp>
-      <p:sp>
-        <p:nvSpPr>
-          <p:cNvPr id="21" name="TextBox 20">
-            <a:extLst>
-              <a:ext uri="{FF2B5EF4-FFF2-40B4-BE49-F238E27FC236}">
-                <a16:creationId xmlns:a16="http://schemas.microsoft.com/office/drawing/2014/main" id="{1A5EFDEF-D0E3-8386-9328-38D5D3555858}"/>
-              </a:ext>
-            </a:extLst>
-          </p:cNvPr>
-          <p:cNvSpPr txBox="1"/>
-          <p:nvPr/>
-        </p:nvSpPr>
-        <p:spPr>
-          <a:xfrm>
-            <a:off x="6135522" y="3766944"/>
-            <a:ext cx="2063692" cy="368250"/>
-          </a:xfrm>
-          <a:prstGeom prst="rect">
-            <a:avLst/>
-          </a:prstGeom>
-          <a:noFill/>
-        </p:spPr>
-        <p:txBody>
-          <a:bodyPr wrap="square" rtlCol="0">
-            <a:spAutoFit/>
-          </a:bodyPr>
-          <a:lstStyle/>
-          <a:p>
-            <a:r>
-              <a:rPr kumimoji="1" lang="en-US" altLang="ja-JP" b="1" dirty="0">
-                <a:solidFill>
-                  <a:schemeClr val="tx1">
-                    <a:lumMod val="75000"/>
-                    <a:lumOff val="25000"/>
-                  </a:schemeClr>
-                </a:solidFill>
-                <a:latin typeface="Arial" panose="020B0604020202020204" pitchFamily="34" charset="0"/>
-                <a:cs typeface="Arial" panose="020B0604020202020204" pitchFamily="34" charset="0"/>
-              </a:rPr>
-              <a:t>(0.2287)</a:t>
-            </a:r>
-            <a:endParaRPr kumimoji="1" lang="ja-JP" altLang="en-US" b="1" dirty="0">
-              <a:solidFill>
-                <a:schemeClr val="tx1">
-                  <a:lumMod val="75000"/>
-                  <a:lumOff val="25000"/>
-                </a:schemeClr>
-              </a:solidFill>
-              <a:latin typeface="Arial" panose="020B0604020202020204" pitchFamily="34" charset="0"/>
-              <a:cs typeface="Arial" panose="020B0604020202020204" pitchFamily="34" charset="0"/>
-            </a:endParaRPr>
-          </a:p>
-        </p:txBody>
-      </p:sp>
-      <p:sp>
-        <p:nvSpPr>
-          <p:cNvPr id="22" name="TextBox 21">
-            <a:extLst>
-              <a:ext uri="{FF2B5EF4-FFF2-40B4-BE49-F238E27FC236}">
-                <a16:creationId xmlns:a16="http://schemas.microsoft.com/office/drawing/2014/main" id="{F13347CD-49D7-B3F7-1FE4-707A78D00363}"/>
-              </a:ext>
-            </a:extLst>
-          </p:cNvPr>
-          <p:cNvSpPr txBox="1"/>
-          <p:nvPr/>
-        </p:nvSpPr>
-        <p:spPr>
-          <a:xfrm>
-            <a:off x="3796609" y="5902581"/>
-            <a:ext cx="2063692" cy="368250"/>
-          </a:xfrm>
-          <a:prstGeom prst="rect">
-            <a:avLst/>
-          </a:prstGeom>
-          <a:noFill/>
-        </p:spPr>
-        <p:txBody>
-          <a:bodyPr wrap="square" rtlCol="0">
-            <a:spAutoFit/>
-          </a:bodyPr>
-          <a:lstStyle/>
-          <a:p>
-            <a:r>
-              <a:rPr kumimoji="1" lang="en-US" altLang="ja-JP" b="1" dirty="0">
-                <a:solidFill>
-                  <a:schemeClr val="tx1">
-                    <a:lumMod val="75000"/>
-                    <a:lumOff val="25000"/>
-                  </a:schemeClr>
-                </a:solidFill>
-                <a:latin typeface="Arial" panose="020B0604020202020204" pitchFamily="34" charset="0"/>
-                <a:cs typeface="Arial" panose="020B0604020202020204" pitchFamily="34" charset="0"/>
-              </a:rPr>
-              <a:t>(0.07825)</a:t>
-            </a:r>
-            <a:endParaRPr kumimoji="1" lang="ja-JP" altLang="en-US" b="1" dirty="0">
-              <a:solidFill>
-                <a:schemeClr val="tx1">
-                  <a:lumMod val="75000"/>
-                  <a:lumOff val="25000"/>
-                </a:schemeClr>
-              </a:solidFill>
-              <a:latin typeface="Arial" panose="020B0604020202020204" pitchFamily="34" charset="0"/>
-              <a:cs typeface="Arial" panose="020B0604020202020204" pitchFamily="34" charset="0"/>
-            </a:endParaRPr>
-          </a:p>
-        </p:txBody>
-      </p:sp>
-      <p:sp>
-        <p:nvSpPr>
-          <p:cNvPr id="23" name="TextBox 22">
-            <a:extLst>
-              <a:ext uri="{FF2B5EF4-FFF2-40B4-BE49-F238E27FC236}">
-                <a16:creationId xmlns:a16="http://schemas.microsoft.com/office/drawing/2014/main" id="{D234BB7A-23F6-A7C3-D43E-2836E9690342}"/>
-              </a:ext>
-            </a:extLst>
-          </p:cNvPr>
-          <p:cNvSpPr txBox="1"/>
-          <p:nvPr/>
-        </p:nvSpPr>
-        <p:spPr>
-          <a:xfrm>
-            <a:off x="5193636" y="4358842"/>
-            <a:ext cx="2063692" cy="368250"/>
-          </a:xfrm>
-          <a:prstGeom prst="rect">
-            <a:avLst/>
-          </a:prstGeom>
-          <a:noFill/>
-        </p:spPr>
-        <p:txBody>
-          <a:bodyPr wrap="square" rtlCol="0">
-            <a:spAutoFit/>
-          </a:bodyPr>
-          <a:lstStyle/>
-          <a:p>
-            <a:r>
-              <a:rPr kumimoji="1" lang="en-US" altLang="ja-JP" b="1" dirty="0">
-                <a:solidFill>
-                  <a:schemeClr val="tx1">
-                    <a:lumMod val="75000"/>
-                    <a:lumOff val="25000"/>
-                  </a:schemeClr>
-                </a:solidFill>
-                <a:latin typeface="Arial" panose="020B0604020202020204" pitchFamily="34" charset="0"/>
-                <a:cs typeface="Arial" panose="020B0604020202020204" pitchFamily="34" charset="0"/>
-              </a:rPr>
-              <a:t>(0.6219)</a:t>
-            </a:r>
-            <a:endParaRPr kumimoji="1" lang="ja-JP" altLang="en-US" b="1" dirty="0">
-              <a:solidFill>
-                <a:schemeClr val="tx1">
-                  <a:lumMod val="75000"/>
-                  <a:lumOff val="25000"/>
-                </a:schemeClr>
-              </a:solidFill>
-              <a:latin typeface="Arial" panose="020B0604020202020204" pitchFamily="34" charset="0"/>
-              <a:cs typeface="Arial" panose="020B0604020202020204" pitchFamily="34" charset="0"/>
-            </a:endParaRPr>
-          </a:p>
-        </p:txBody>
-      </p:sp>
-      <p:sp>
-        <p:nvSpPr>
-          <p:cNvPr id="24" name="TextBox 23">
-            <a:extLst>
-              <a:ext uri="{FF2B5EF4-FFF2-40B4-BE49-F238E27FC236}">
-                <a16:creationId xmlns:a16="http://schemas.microsoft.com/office/drawing/2014/main" id="{4A8C1A88-7E04-00D9-2F1D-A48925D42CEA}"/>
-              </a:ext>
-            </a:extLst>
-          </p:cNvPr>
-          <p:cNvSpPr txBox="1"/>
-          <p:nvPr/>
-        </p:nvSpPr>
-        <p:spPr>
-          <a:xfrm>
-            <a:off x="4933648" y="4864230"/>
-            <a:ext cx="2063692" cy="368250"/>
-          </a:xfrm>
-          <a:prstGeom prst="rect">
-            <a:avLst/>
-          </a:prstGeom>
-          <a:noFill/>
-        </p:spPr>
-        <p:txBody>
-          <a:bodyPr wrap="square" rtlCol="0">
-            <a:spAutoFit/>
-          </a:bodyPr>
-          <a:lstStyle/>
-          <a:p>
-            <a:r>
-              <a:rPr kumimoji="1" lang="en-US" altLang="ja-JP" b="1" dirty="0">
-                <a:solidFill>
-                  <a:schemeClr val="tx1">
-                    <a:lumMod val="75000"/>
-                    <a:lumOff val="25000"/>
-                  </a:schemeClr>
-                </a:solidFill>
-                <a:latin typeface="Arial" panose="020B0604020202020204" pitchFamily="34" charset="0"/>
-                <a:cs typeface="Arial" panose="020B0604020202020204" pitchFamily="34" charset="0"/>
-              </a:rPr>
-              <a:t>(0.1913)</a:t>
-            </a:r>
-            <a:endParaRPr kumimoji="1" lang="ja-JP" altLang="en-US" b="1" dirty="0">
-              <a:solidFill>
-                <a:schemeClr val="tx1">
-                  <a:lumMod val="75000"/>
-                  <a:lumOff val="25000"/>
-                </a:schemeClr>
-              </a:solidFill>
-              <a:latin typeface="Arial" panose="020B0604020202020204" pitchFamily="34" charset="0"/>
-              <a:cs typeface="Arial" panose="020B0604020202020204" pitchFamily="34" charset="0"/>
-            </a:endParaRPr>
-          </a:p>
-        </p:txBody>
-      </p:sp>
-      <p:sp>
-        <p:nvSpPr>
-          <p:cNvPr id="25" name="TextBox 24">
-            <a:extLst>
-              <a:ext uri="{FF2B5EF4-FFF2-40B4-BE49-F238E27FC236}">
-                <a16:creationId xmlns:a16="http://schemas.microsoft.com/office/drawing/2014/main" id="{D2C02FD9-CDD5-D111-3177-4AA7F0832370}"/>
-              </a:ext>
-            </a:extLst>
-          </p:cNvPr>
-          <p:cNvSpPr txBox="1"/>
-          <p:nvPr/>
-        </p:nvSpPr>
-        <p:spPr>
-          <a:xfrm>
-            <a:off x="4860390" y="5383405"/>
-            <a:ext cx="2063692" cy="368250"/>
-          </a:xfrm>
-          <a:prstGeom prst="rect">
-            <a:avLst/>
-          </a:prstGeom>
-          <a:noFill/>
-        </p:spPr>
-        <p:txBody>
-          <a:bodyPr wrap="square" rtlCol="0">
-            <a:spAutoFit/>
-          </a:bodyPr>
-          <a:lstStyle/>
-          <a:p>
-            <a:r>
-              <a:rPr kumimoji="1" lang="en-US" altLang="ja-JP" b="1" dirty="0">
-                <a:solidFill>
-                  <a:schemeClr val="tx1">
-                    <a:lumMod val="75000"/>
-                    <a:lumOff val="25000"/>
-                  </a:schemeClr>
-                </a:solidFill>
-                <a:latin typeface="Arial" panose="020B0604020202020204" pitchFamily="34" charset="0"/>
-                <a:cs typeface="Arial" panose="020B0604020202020204" pitchFamily="34" charset="0"/>
-              </a:rPr>
-              <a:t>(0.1068)</a:t>
-            </a:r>
-            <a:endParaRPr kumimoji="1" lang="ja-JP" altLang="en-US" b="1" dirty="0">
-              <a:solidFill>
-                <a:schemeClr val="tx1">
-                  <a:lumMod val="75000"/>
-                  <a:lumOff val="25000"/>
-                </a:schemeClr>
-              </a:solidFill>
-              <a:latin typeface="Arial" panose="020B0604020202020204" pitchFamily="34" charset="0"/>
-              <a:cs typeface="Arial" panose="020B0604020202020204" pitchFamily="34" charset="0"/>
-            </a:endParaRPr>
-          </a:p>
-        </p:txBody>
-      </p:sp>
-      <p:sp>
-        <p:nvSpPr>
-          <p:cNvPr id="26" name="TextBox 25">
-            <a:extLst>
-              <a:ext uri="{FF2B5EF4-FFF2-40B4-BE49-F238E27FC236}">
-                <a16:creationId xmlns:a16="http://schemas.microsoft.com/office/drawing/2014/main" id="{5AD85614-3C45-7BB6-4E5D-34000F6F8A45}"/>
-              </a:ext>
-            </a:extLst>
-          </p:cNvPr>
-          <p:cNvSpPr txBox="1"/>
-          <p:nvPr/>
-        </p:nvSpPr>
-        <p:spPr>
-          <a:xfrm>
-            <a:off x="7167368" y="612050"/>
-            <a:ext cx="2063692" cy="368250"/>
-          </a:xfrm>
-          <a:prstGeom prst="rect">
-            <a:avLst/>
-          </a:prstGeom>
-          <a:noFill/>
-        </p:spPr>
-        <p:txBody>
-          <a:bodyPr wrap="square" rtlCol="0">
-            <a:spAutoFit/>
-          </a:bodyPr>
-          <a:lstStyle/>
-          <a:p>
-            <a:r>
-              <a:rPr kumimoji="1" lang="en-US" altLang="ja-JP" b="1" dirty="0">
-                <a:solidFill>
-                  <a:schemeClr val="tx1">
-                    <a:lumMod val="75000"/>
-                    <a:lumOff val="25000"/>
-                  </a:schemeClr>
-                </a:solidFill>
-                <a:latin typeface="Arial" panose="020B0604020202020204" pitchFamily="34" charset="0"/>
-                <a:cs typeface="Arial" panose="020B0604020202020204" pitchFamily="34" charset="0"/>
-              </a:rPr>
-              <a:t>(Variance)</a:t>
+              <a:t>)</a:t>
             </a:r>
             <a:endParaRPr kumimoji="1" lang="ja-JP" altLang="en-US" b="1" dirty="0">
               <a:solidFill>
